--- a/Flight Ticket Booking.pptx
+++ b/Flight Ticket Booking.pptx
@@ -8303,11 +8303,11 @@
             </a:pPr>
             <a:r>
               <a:rPr lang="en-US" cap="none" dirty="0"/>
-              <a:t>Booked flight could delete two hours before the first flight in the flight line departure </a:t>
-            </a:r>
-            <a:r>
-              <a:rPr lang="en-US" cap="none" dirty="0" err="1"/>
-              <a:t>tim</a:t>
+              <a:t>Booked flight could delete two hours before the first flight in the flight line </a:t>
+            </a:r>
+            <a:r>
+              <a:rPr lang="en-US" cap="none"/>
+              <a:t>departure time</a:t>
             </a:r>
             <a:endParaRPr lang="en-US" cap="none" dirty="0"/>
           </a:p>
